--- a/NRL40551.pptx
+++ b/NRL40551.pptx
@@ -227,7 +227,7 @@
           <a:p>
             <a:fld id="{E623A9D9-DCA5-4626-B109-1C88F25B7889}" type="datetimeFigureOut">
               <a:rPr lang="en-US" smtClean="0"/>
-              <a:t>8/1/2021</a:t>
+              <a:t>6/7/2023</a:t>
             </a:fld>
             <a:endParaRPr lang="en-US"/>
           </a:p>
@@ -725,7 +725,7 @@
           <a:p>
             <a:fld id="{15A43FEF-30EC-456A-84CD-4AE557E6AD82}" type="datetimeFigureOut">
               <a:rPr lang="en-US" smtClean="0"/>
-              <a:t>8/1/2021</a:t>
+              <a:t>6/7/2023</a:t>
             </a:fld>
             <a:endParaRPr lang="en-US"/>
           </a:p>
@@ -923,7 +923,7 @@
           <a:p>
             <a:fld id="{15A43FEF-30EC-456A-84CD-4AE557E6AD82}" type="datetimeFigureOut">
               <a:rPr lang="en-US" smtClean="0"/>
-              <a:t>8/1/2021</a:t>
+              <a:t>6/7/2023</a:t>
             </a:fld>
             <a:endParaRPr lang="en-US"/>
           </a:p>
@@ -1131,7 +1131,7 @@
           <a:p>
             <a:fld id="{15A43FEF-30EC-456A-84CD-4AE557E6AD82}" type="datetimeFigureOut">
               <a:rPr lang="en-US" smtClean="0"/>
-              <a:t>8/1/2021</a:t>
+              <a:t>6/7/2023</a:t>
             </a:fld>
             <a:endParaRPr lang="en-US"/>
           </a:p>
@@ -1329,7 +1329,7 @@
           <a:p>
             <a:fld id="{15A43FEF-30EC-456A-84CD-4AE557E6AD82}" type="datetimeFigureOut">
               <a:rPr lang="en-US" smtClean="0"/>
-              <a:t>8/1/2021</a:t>
+              <a:t>6/7/2023</a:t>
             </a:fld>
             <a:endParaRPr lang="en-US"/>
           </a:p>
@@ -1604,7 +1604,7 @@
           <a:p>
             <a:fld id="{15A43FEF-30EC-456A-84CD-4AE557E6AD82}" type="datetimeFigureOut">
               <a:rPr lang="en-US" smtClean="0"/>
-              <a:t>8/1/2021</a:t>
+              <a:t>6/7/2023</a:t>
             </a:fld>
             <a:endParaRPr lang="en-US"/>
           </a:p>
@@ -1869,7 +1869,7 @@
           <a:p>
             <a:fld id="{15A43FEF-30EC-456A-84CD-4AE557E6AD82}" type="datetimeFigureOut">
               <a:rPr lang="en-US" smtClean="0"/>
-              <a:t>8/1/2021</a:t>
+              <a:t>6/7/2023</a:t>
             </a:fld>
             <a:endParaRPr lang="en-US"/>
           </a:p>
@@ -2281,7 +2281,7 @@
           <a:p>
             <a:fld id="{15A43FEF-30EC-456A-84CD-4AE557E6AD82}" type="datetimeFigureOut">
               <a:rPr lang="en-US" smtClean="0"/>
-              <a:t>8/1/2021</a:t>
+              <a:t>6/7/2023</a:t>
             </a:fld>
             <a:endParaRPr lang="en-US"/>
           </a:p>
@@ -2422,7 +2422,7 @@
           <a:p>
             <a:fld id="{15A43FEF-30EC-456A-84CD-4AE557E6AD82}" type="datetimeFigureOut">
               <a:rPr lang="en-US" smtClean="0"/>
-              <a:t>8/1/2021</a:t>
+              <a:t>6/7/2023</a:t>
             </a:fld>
             <a:endParaRPr lang="en-US"/>
           </a:p>
@@ -2535,7 +2535,7 @@
           <a:p>
             <a:fld id="{15A43FEF-30EC-456A-84CD-4AE557E6AD82}" type="datetimeFigureOut">
               <a:rPr lang="en-US" smtClean="0"/>
-              <a:t>8/1/2021</a:t>
+              <a:t>6/7/2023</a:t>
             </a:fld>
             <a:endParaRPr lang="en-US"/>
           </a:p>
@@ -2846,7 +2846,7 @@
           <a:p>
             <a:fld id="{15A43FEF-30EC-456A-84CD-4AE557E6AD82}" type="datetimeFigureOut">
               <a:rPr lang="en-US" smtClean="0"/>
-              <a:t>8/1/2021</a:t>
+              <a:t>6/7/2023</a:t>
             </a:fld>
             <a:endParaRPr lang="en-US"/>
           </a:p>
@@ -3134,7 +3134,7 @@
           <a:p>
             <a:fld id="{15A43FEF-30EC-456A-84CD-4AE557E6AD82}" type="datetimeFigureOut">
               <a:rPr lang="en-US" smtClean="0"/>
-              <a:t>8/1/2021</a:t>
+              <a:t>6/7/2023</a:t>
             </a:fld>
             <a:endParaRPr lang="en-US"/>
           </a:p>
@@ -3375,7 +3375,7 @@
           <a:p>
             <a:fld id="{15A43FEF-30EC-456A-84CD-4AE557E6AD82}" type="datetimeFigureOut">
               <a:rPr lang="en-US" smtClean="0"/>
-              <a:t>8/1/2021</a:t>
+              <a:t>6/7/2023</a:t>
             </a:fld>
             <a:endParaRPr lang="en-US"/>
           </a:p>
@@ -3845,20 +3845,11 @@
           <a:p>
             <a:r>
               <a:rPr lang="en-US" dirty="0"/>
-              <a:t>Edgar Acuna</a:t>
+              <a:t>Dr. Edgar Acuna</a:t>
             </a:r>
           </a:p>
           <a:p>
-            <a:r>
-              <a:rPr lang="en-US" dirty="0"/>
-              <a:t>University of Puerto Rico at Mayaguez</a:t>
-            </a:r>
-          </a:p>
-          <a:p>
-            <a:r>
-              <a:rPr lang="en-US" dirty="0"/>
-              <a:t>Mathematical Sciences Department</a:t>
-            </a:r>
+            <a:endParaRPr lang="en-US" dirty="0"/>
           </a:p>
           <a:p>
             <a:r>
@@ -3869,8 +3860,17 @@
           <a:p>
             <a:r>
               <a:rPr lang="en-US" dirty="0"/>
-              <a:t>\August 3, 2021</a:t>
+              <a:t>Created: August 3, 2021</a:t>
             </a:r>
+          </a:p>
+          <a:p>
+            <a:r>
+              <a:rPr lang="en-US" dirty="0"/>
+              <a:t>Reviewed: June 7, 2023</a:t>
+            </a:r>
+          </a:p>
+          <a:p>
+            <a:endParaRPr lang="en-US" dirty="0"/>
           </a:p>
           <a:p>
             <a:endParaRPr lang="en-US" dirty="0"/>
@@ -9277,7 +9277,7 @@
                 <a:ea typeface="Calibri" panose="020F0502020204030204" pitchFamily="34" charset="0"/>
                 <a:cs typeface="Times New Roman" panose="02020603050405020304" pitchFamily="18" charset="0"/>
               </a:rPr>
-              <a:t>Each analyte-substrate combination contains 50 spectra with differing mass loadings (from 5 to 50 </a:t>
+              <a:t>Each analyte-substrate combination contains 50 spectra with  mass loadings from 5 to 50 </a:t>
             </a:r>
             <a:r>
               <a:rPr lang="en-US" sz="2400" dirty="0">
@@ -9307,13 +9307,18 @@
             </a:r>
             <a:r>
               <a:rPr lang="en-US" sz="2400" dirty="0">
-                <a:effectLst/>
                 <a:latin typeface="Calibri" panose="020F0502020204030204" pitchFamily="34" charset="0"/>
                 <a:ea typeface="Calibri" panose="020F0502020204030204" pitchFamily="34" charset="0"/>
                 <a:cs typeface="Times New Roman" panose="02020603050405020304" pitchFamily="18" charset="0"/>
               </a:rPr>
-              <a:t>)</a:t>
+              <a:t>. </a:t>
             </a:r>
+            <a:endParaRPr lang="en-US" sz="2400" dirty="0">
+              <a:effectLst/>
+              <a:latin typeface="Calibri" panose="020F0502020204030204" pitchFamily="34" charset="0"/>
+              <a:ea typeface="Calibri" panose="020F0502020204030204" pitchFamily="34" charset="0"/>
+              <a:cs typeface="Times New Roman" panose="02020603050405020304" pitchFamily="18" charset="0"/>
+            </a:endParaRPr>
           </a:p>
           <a:p>
             <a:r>
@@ -9331,7 +9336,7 @@
                 <a:ea typeface="Calibri" panose="020F0502020204030204" pitchFamily="34" charset="0"/>
                 <a:cs typeface="Times New Roman" panose="02020603050405020304" pitchFamily="18" charset="0"/>
               </a:rPr>
-              <a:t>dded noise level: 0%,  0.1%,  0.25%,  0.5% and 1%. Approx. 3600 spectra </a:t>
+              <a:t>dded noise level: 0%,  0.1%,  0.25%,  0.5% and 1%. Approx. 3600 spectra for each</a:t>
             </a:r>
             <a:r>
               <a:rPr lang="en-US" sz="2400" dirty="0">
@@ -9339,7 +9344,7 @@
                 <a:ea typeface="Calibri" panose="020F0502020204030204" pitchFamily="34" charset="0"/>
                 <a:cs typeface="Times New Roman" panose="02020603050405020304" pitchFamily="18" charset="0"/>
               </a:rPr>
-              <a:t>by </a:t>
+              <a:t> </a:t>
             </a:r>
             <a:r>
               <a:rPr lang="en-US" sz="2400" dirty="0">
@@ -9355,7 +9360,7 @@
           <a:p>
             <a:r>
               <a:rPr lang="en-US" sz="2400" dirty="0"/>
-              <a:t>18,000 spectra with 1701 points</a:t>
+              <a:t>18,000 spectra with 1701 spectral  points</a:t>
             </a:r>
           </a:p>
           <a:p>
@@ -9439,7 +9444,7 @@
                 <a:ea typeface="Calibri" panose="020F0502020204030204" pitchFamily="34" charset="0"/>
                 <a:cs typeface="Times New Roman" panose="02020603050405020304" pitchFamily="18" charset="0"/>
               </a:rPr>
-              <a:t>Each analyte-substrate combination contains 100 spectra with differing mass loadings (from 1 to 100 </a:t>
+              <a:t>Each analyte-substrate combination contains 100 spectra with mass loadings from 1 to 100 </a:t>
             </a:r>
             <a:r>
               <a:rPr lang="en-US" sz="2400" dirty="0">
@@ -9469,12 +9474,20 @@
             </a:r>
             <a:r>
               <a:rPr lang="en-US" sz="2400" dirty="0">
+                <a:latin typeface="Calibri" panose="020F0502020204030204" pitchFamily="34" charset="0"/>
+                <a:ea typeface="Calibri" panose="020F0502020204030204" pitchFamily="34" charset="0"/>
+                <a:cs typeface="Times New Roman" panose="02020603050405020304" pitchFamily="18" charset="0"/>
+              </a:rPr>
+              <a:t>.</a:t>
+            </a:r>
+            <a:r>
+              <a:rPr lang="en-US" sz="2400" dirty="0">
                 <a:effectLst/>
                 <a:latin typeface="Calibri" panose="020F0502020204030204" pitchFamily="34" charset="0"/>
                 <a:ea typeface="Calibri" panose="020F0502020204030204" pitchFamily="34" charset="0"/>
                 <a:cs typeface="Times New Roman" panose="02020603050405020304" pitchFamily="18" charset="0"/>
               </a:rPr>
-              <a:t>) </a:t>
+              <a:t> </a:t>
             </a:r>
           </a:p>
           <a:p>
@@ -9510,7 +9523,7 @@
                 <a:ea typeface="Calibri" panose="020F0502020204030204" pitchFamily="34" charset="0"/>
                 <a:cs typeface="Times New Roman" panose="02020603050405020304" pitchFamily="18" charset="0"/>
               </a:rPr>
-              <a:t>00 spectra </a:t>
+              <a:t>00 spectra for each  </a:t>
             </a:r>
             <a:r>
               <a:rPr lang="en-US" sz="2400" dirty="0">
@@ -9518,7 +9531,7 @@
                 <a:ea typeface="Calibri" panose="020F0502020204030204" pitchFamily="34" charset="0"/>
                 <a:cs typeface="Times New Roman" panose="02020603050405020304" pitchFamily="18" charset="0"/>
               </a:rPr>
-              <a:t>by </a:t>
+              <a:t> </a:t>
             </a:r>
             <a:r>
               <a:rPr lang="en-US" sz="2400" dirty="0">
@@ -27099,8 +27112,8 @@
         </p:nvSpPr>
         <p:spPr bwMode="auto">
           <a:xfrm>
-            <a:off x="723901" y="868487"/>
-            <a:ext cx="9982200" cy="923330"/>
+            <a:off x="723901" y="591488"/>
+            <a:ext cx="9982200" cy="1477328"/>
           </a:xfrm>
           <a:prstGeom prst="rect">
             <a:avLst/>
@@ -27509,7 +27522,7 @@
                 <a:ea typeface="Times New Roman" panose="02020603050405020304" pitchFamily="18" charset="0"/>
                 <a:cs typeface="Times New Roman" panose="02020603050405020304" pitchFamily="18" charset="0"/>
               </a:rPr>
-              <a:t> for Multiclass classification</a:t>
+              <a:t> for Multiclass classification (Testing set: 9,900 spectra)</a:t>
             </a:r>
             <a:endParaRPr kumimoji="0" lang="en-US" altLang="en-PR" sz="3600" b="0" i="0" u="none" strike="noStrike" cap="none" normalizeH="0" dirty="0">
               <a:ln>

--- a/NRL40551.pptx
+++ b/NRL40551.pptx
@@ -4993,7 +4993,7 @@
                 <a:effectLst/>
                 <a:latin typeface="Helvetica Neue"/>
               </a:rPr>
-              <a:t>Analytes with low correct classification: #55, #40, #39. </a:t>
+              <a:t>Analytes with low correct classification rate: #55, #40, #39. </a:t>
             </a:r>
           </a:p>
           <a:p>
@@ -7079,7 +7079,30 @@
                 <a:ea typeface="Calibri" panose="020F0502020204030204" pitchFamily="34" charset="0"/>
                 <a:cs typeface="Times New Roman" panose="02020603050405020304" pitchFamily="18" charset="0"/>
               </a:rPr>
-              <a:t> A good value for </a:t>
+              <a:t> A </a:t>
+            </a:r>
+            <a:r>
+              <a:rPr lang="fr-FR" sz="2000" dirty="0">
+                <a:solidFill>
+                  <a:srgbClr val="111111"/>
+                </a:solidFill>
+                <a:latin typeface="Times New Roman" panose="02020603050405020304" pitchFamily="18" charset="0"/>
+                <a:ea typeface="Calibri" panose="020F0502020204030204" pitchFamily="34" charset="0"/>
+                <a:cs typeface="Times New Roman" panose="02020603050405020304" pitchFamily="18" charset="0"/>
+              </a:rPr>
+              <a:t>high</a:t>
+            </a:r>
+            <a:r>
+              <a:rPr lang="fr-FR" sz="2000" dirty="0">
+                <a:solidFill>
+                  <a:srgbClr val="111111"/>
+                </a:solidFill>
+                <a:effectLst/>
+                <a:latin typeface="Times New Roman" panose="02020603050405020304" pitchFamily="18" charset="0"/>
+                <a:ea typeface="Calibri" panose="020F0502020204030204" pitchFamily="34" charset="0"/>
+                <a:cs typeface="Times New Roman" panose="02020603050405020304" pitchFamily="18" charset="0"/>
+              </a:rPr>
+              <a:t> value for F1-score </a:t>
             </a:r>
             <a:r>
               <a:rPr lang="en-US" sz="2000" b="0" i="0" dirty="0">
@@ -7090,7 +7113,7 @@
                 <a:latin typeface="Times New Roman" panose="02020603050405020304" pitchFamily="18" charset="0"/>
                 <a:cs typeface="Times New Roman" panose="02020603050405020304" pitchFamily="18" charset="0"/>
               </a:rPr>
-              <a:t> means that you have low false positives and low false negatives</a:t>
+              <a:t> means that you have low false positives and low false negatives.</a:t>
             </a:r>
             <a:r>
               <a:rPr lang="fr-FR" sz="2000" dirty="0">
@@ -7218,18 +7241,11 @@
           </a:p>
           <a:p>
             <a:r>
-              <a:rPr lang="en-US" sz="2000">
-                <a:latin typeface="Times New Roman" panose="02020603050405020304" pitchFamily="18" charset="0"/>
-                <a:cs typeface="Times New Roman" panose="02020603050405020304" pitchFamily="18" charset="0"/>
-              </a:rPr>
-              <a:t>#4:    </a:t>
-            </a:r>
-            <a:r>
               <a:rPr lang="en-US" sz="2000" dirty="0">
                 <a:latin typeface="Times New Roman" panose="02020603050405020304" pitchFamily="18" charset="0"/>
                 <a:cs typeface="Times New Roman" panose="02020603050405020304" pitchFamily="18" charset="0"/>
               </a:rPr>
-              <a:t>0.747   </a:t>
+              <a:t>#4:    0.747   </a:t>
             </a:r>
             <a:endParaRPr lang="en-PR" sz="2000" dirty="0">
               <a:effectLst/>
@@ -8912,7 +8928,7 @@
               <a:rPr lang="en-US" altLang="en-PR" sz="3200" dirty="0">
                 <a:latin typeface="+mn-lt"/>
               </a:rPr>
-              <a:t>the top four that </a:t>
+              <a:t>the top four analytes that </a:t>
             </a:r>
             <a:r>
               <a:rPr kumimoji="0" lang="en-US" altLang="en-PR" sz="3200" i="0" u="none" strike="noStrike" cap="none" normalizeH="0" baseline="0" dirty="0">
@@ -16035,8 +16051,8 @@
         </p:nvSpPr>
         <p:spPr bwMode="auto">
           <a:xfrm>
-            <a:off x="733425" y="729988"/>
-            <a:ext cx="10725150" cy="1200329"/>
+            <a:off x="647114" y="360138"/>
+            <a:ext cx="10811461" cy="1200329"/>
           </a:xfrm>
           <a:prstGeom prst="rect">
             <a:avLst/>
@@ -16516,7 +16532,7 @@
           <a:p>
             <a:r>
               <a:rPr lang="en-US" dirty="0"/>
-              <a:t>A new version called Variational Autoencoder also will be considered </a:t>
+              <a:t>A new version called Variational Autoencoder also can be considered </a:t>
             </a:r>
           </a:p>
         </p:txBody>
@@ -19197,7 +19213,7 @@
           <p:nvPr>
             <p:extLst>
               <p:ext uri="{D42A27DB-BD31-4B8C-83A1-F6EECF244321}">
-                <p14:modId xmlns:p14="http://schemas.microsoft.com/office/powerpoint/2010/main" val="3347941588"/>
+                <p14:modId xmlns:p14="http://schemas.microsoft.com/office/powerpoint/2010/main" val="2681434209"/>
               </p:ext>
             </p:extLst>
           </p:nvPr>
@@ -19335,7 +19351,7 @@
                     <a:p>
                       <a:r>
                         <a:rPr lang="en-US" dirty="0"/>
-                        <a:t>&gt;5</a:t>
+                        <a:t>mass&gt;5</a:t>
                       </a:r>
                     </a:p>
                   </a:txBody>
@@ -19381,7 +19397,7 @@
                     <a:p>
                       <a:r>
                         <a:rPr lang="en-US" dirty="0"/>
-                        <a:t>&gt;20</a:t>
+                        <a:t>mass&gt;20</a:t>
                       </a:r>
                     </a:p>
                   </a:txBody>
@@ -19427,7 +19443,7 @@
                     <a:p>
                       <a:r>
                         <a:rPr lang="en-US" dirty="0"/>
-                        <a:t>&gt;30</a:t>
+                        <a:t>mass&gt;30</a:t>
                       </a:r>
                     </a:p>
                   </a:txBody>
@@ -19473,7 +19489,7 @@
                     <a:p>
                       <a:r>
                         <a:rPr lang="en-US" dirty="0"/>
-                        <a:t>&gt;50</a:t>
+                        <a:t>mass&gt;50</a:t>
                       </a:r>
                     </a:p>
                   </a:txBody>
@@ -22815,7 +22831,7 @@
           <p:nvPr>
             <p:extLst>
               <p:ext uri="{D42A27DB-BD31-4B8C-83A1-F6EECF244321}">
-                <p14:modId xmlns:p14="http://schemas.microsoft.com/office/powerpoint/2010/main" val="2935195501"/>
+                <p14:modId xmlns:p14="http://schemas.microsoft.com/office/powerpoint/2010/main" val="389452795"/>
               </p:ext>
             </p:extLst>
           </p:nvPr>
@@ -23009,19 +23025,7 @@
                           <a:ea typeface="Calibri" panose="020F0502020204030204" pitchFamily="34" charset="0"/>
                           <a:cs typeface="Times New Roman" panose="02020603050405020304" pitchFamily="18" charset="0"/>
                         </a:rPr>
-                        <a:t>No </a:t>
-                      </a:r>
-                      <a:r>
-                        <a:rPr lang="en-US" sz="1500" baseline="0" dirty="0" err="1">
-                          <a:solidFill>
-                            <a:schemeClr val="bg1"/>
-                          </a:solidFill>
-                          <a:effectLst/>
-                          <a:latin typeface="Calibri" panose="020F0502020204030204" pitchFamily="34" charset="0"/>
-                          <a:ea typeface="Calibri" panose="020F0502020204030204" pitchFamily="34" charset="0"/>
-                          <a:cs typeface="Times New Roman" panose="02020603050405020304" pitchFamily="18" charset="0"/>
-                        </a:rPr>
-                        <a:t>Filering</a:t>
+                        <a:t>No Filtering</a:t>
                       </a:r>
                       <a:endParaRPr lang="en-PR" sz="1500" baseline="0" dirty="0">
                         <a:solidFill>
@@ -24544,7 +24548,7 @@
           <p:nvPr>
             <p:extLst>
               <p:ext uri="{D42A27DB-BD31-4B8C-83A1-F6EECF244321}">
-                <p14:modId xmlns:p14="http://schemas.microsoft.com/office/powerpoint/2010/main" val="1430282664"/>
+                <p14:modId xmlns:p14="http://schemas.microsoft.com/office/powerpoint/2010/main" val="2902018611"/>
               </p:ext>
             </p:extLst>
           </p:nvPr>
@@ -24648,6 +24652,10 @@
                     <a:lstStyle/>
                     <a:p>
                       <a:r>
+                        <a:rPr lang="en-US" dirty="0" err="1"/>
+                        <a:t>NPc</a:t>
+                      </a:r>
+                      <a:r>
                         <a:rPr lang="en-US" dirty="0"/>
                         <a:t>&lt;5</a:t>
                       </a:r>
@@ -24680,6 +24688,10 @@
                     <a:bodyPr/>
                     <a:lstStyle/>
                     <a:p>
+                      <a:r>
+                        <a:rPr lang="en-US" dirty="0" err="1"/>
+                        <a:t>NPc</a:t>
+                      </a:r>
                       <a:r>
                         <a:rPr lang="en-US" dirty="0"/>
                         <a:t>&gt;=.5</a:t>
@@ -25390,14 +25402,14 @@
           <p:nvPr>
             <p:extLst>
               <p:ext uri="{D42A27DB-BD31-4B8C-83A1-F6EECF244321}">
-                <p14:modId xmlns:p14="http://schemas.microsoft.com/office/powerpoint/2010/main" val="1840790847"/>
+                <p14:modId xmlns:p14="http://schemas.microsoft.com/office/powerpoint/2010/main" val="898460510"/>
               </p:ext>
             </p:extLst>
           </p:nvPr>
         </p:nvGraphicFramePr>
         <p:xfrm>
-          <a:off x="2004100" y="1887284"/>
-          <a:ext cx="7461447" cy="3397017"/>
+          <a:off x="1252024" y="1603717"/>
+          <a:ext cx="9664505" cy="3573195"/>
         </p:xfrm>
         <a:graphic>
           <a:graphicData uri="http://schemas.openxmlformats.org/drawingml/2006/table">
@@ -25406,28 +25418,28 @@
                 <a:tableStyleId>{5C22544A-7EE6-4342-B048-85BDC9FD1C3A}</a:tableStyleId>
               </a:tblPr>
               <a:tblGrid>
-                <a:gridCol w="2270689">
+                <a:gridCol w="2941131">
                   <a:extLst>
                     <a:ext uri="{9D8B030D-6E8A-4147-A177-3AD203B41FA5}">
                       <a16:colId xmlns:a16="http://schemas.microsoft.com/office/drawing/2014/main" val="3778527689"/>
                     </a:ext>
                   </a:extLst>
                 </a:gridCol>
-                <a:gridCol w="1780883">
+                <a:gridCol w="2306704">
                   <a:extLst>
                     <a:ext uri="{9D8B030D-6E8A-4147-A177-3AD203B41FA5}">
                       <a16:colId xmlns:a16="http://schemas.microsoft.com/office/drawing/2014/main" val="3848601712"/>
                     </a:ext>
                   </a:extLst>
                 </a:gridCol>
-                <a:gridCol w="1812187">
+                <a:gridCol w="2347251">
                   <a:extLst>
                     <a:ext uri="{9D8B030D-6E8A-4147-A177-3AD203B41FA5}">
                       <a16:colId xmlns:a16="http://schemas.microsoft.com/office/drawing/2014/main" val="1296501872"/>
                     </a:ext>
                   </a:extLst>
                 </a:gridCol>
-                <a:gridCol w="1597688">
+                <a:gridCol w="2069419">
                   <a:extLst>
                     <a:ext uri="{9D8B030D-6E8A-4147-A177-3AD203B41FA5}">
                       <a16:colId xmlns:a16="http://schemas.microsoft.com/office/drawing/2014/main" val="395331304"/>
@@ -25435,7 +25447,7 @@
                   </a:extLst>
                 </a:gridCol>
               </a:tblGrid>
-              <a:tr h="490473">
+              <a:tr h="839897">
                 <a:tc>
                   <a:txBody>
                     <a:bodyPr/>
@@ -25633,7 +25645,7 @@
                           <a:ea typeface="Calibri" panose="020F0502020204030204" pitchFamily="34" charset="0"/>
                           <a:cs typeface="Times New Roman" panose="02020603050405020304" pitchFamily="18" charset="0"/>
                         </a:rPr>
-                        <a:t>Training Time </a:t>
+                        <a:t>Training time in secs</a:t>
                       </a:r>
                     </a:p>
                     <a:p>
@@ -25691,7 +25703,7 @@
                   </a:ext>
                 </a:extLst>
               </a:tr>
-              <a:tr h="414390">
+              <a:tr h="401217">
                 <a:tc>
                   <a:txBody>
                     <a:bodyPr/>
@@ -25923,7 +25935,7 @@
                   </a:ext>
                 </a:extLst>
               </a:tr>
-              <a:tr h="582740">
+              <a:tr h="564215">
                 <a:tc>
                   <a:txBody>
                     <a:bodyPr/>
@@ -26158,7 +26170,7 @@
                   </a:ext>
                 </a:extLst>
               </a:tr>
-              <a:tr h="582740">
+              <a:tr h="564215">
                 <a:tc>
                   <a:txBody>
                     <a:bodyPr/>
@@ -26393,7 +26405,7 @@
                   </a:ext>
                 </a:extLst>
               </a:tr>
-              <a:tr h="414390">
+              <a:tr h="401217">
                 <a:tc>
                   <a:txBody>
                     <a:bodyPr/>
@@ -26542,18 +26554,6 @@
                         </a:rPr>
                         <a:t>.7926/.8010 </a:t>
                       </a:r>
-                      <a:r>
-                        <a:rPr lang="en-US" sz="1800" baseline="0" dirty="0" err="1">
-                          <a:effectLst/>
-                        </a:rPr>
-                        <a:t>dp</a:t>
-                      </a:r>
-                      <a:r>
-                        <a:rPr lang="en-US" sz="1800" baseline="0" dirty="0">
-                          <a:effectLst/>
-                        </a:rPr>
-                        <a:t>.</a:t>
-                      </a:r>
                       <a:endParaRPr lang="en-PR" sz="1800" baseline="0" dirty="0">
                         <a:effectLst/>
                         <a:latin typeface="Calibri" panose="020F0502020204030204" pitchFamily="34" charset="0"/>
@@ -26631,7 +26631,7 @@
                   </a:ext>
                 </a:extLst>
               </a:tr>
-              <a:tr h="414390">
+              <a:tr h="401217">
                 <a:tc>
                   <a:txBody>
                     <a:bodyPr/>
@@ -26866,7 +26866,7 @@
                   </a:ext>
                 </a:extLst>
               </a:tr>
-              <a:tr h="414390">
+              <a:tr h="401217">
                 <a:tc>
                   <a:txBody>
                     <a:bodyPr/>
@@ -27112,7 +27112,7 @@
         </p:nvSpPr>
         <p:spPr bwMode="auto">
           <a:xfrm>
-            <a:off x="723901" y="591488"/>
+            <a:off x="723901" y="865"/>
             <a:ext cx="9982200" cy="1477328"/>
           </a:xfrm>
           <a:prstGeom prst="rect">
@@ -27595,8 +27595,8 @@
         </p:nvSpPr>
         <p:spPr>
           <a:xfrm>
-            <a:off x="723901" y="5948039"/>
-            <a:ext cx="8207035" cy="671915"/>
+            <a:off x="928467" y="5254283"/>
+            <a:ext cx="10550769" cy="1264642"/>
           </a:xfrm>
           <a:prstGeom prst="rect">
             <a:avLst/>
@@ -27648,7 +27648,7 @@
                 <a:ea typeface="Times New Roman" panose="02020603050405020304" pitchFamily="18" charset="0"/>
                 <a:cs typeface="Times New Roman" panose="02020603050405020304" pitchFamily="18" charset="0"/>
               </a:rPr>
-              <a:t>*k=9 for 40-analytes and k=13 for 55-analytes</a:t>
+              <a:t>*k=9 for 40-analytes and k=13 for 55-analytes. For instance, using MLP, 1,980 out of 9,900 spectra are incorrectly classified. The analyte #45 is classified incorrectly in 18 out 180 spectra, whereas  the analyte #55 is classified incorrectly in 63 spectra.</a:t>
             </a:r>
             <a:endParaRPr lang="en-PR" sz="1800" dirty="0">
               <a:effectLst/>
@@ -27880,6 +27880,41 @@
           </a:xfrm>
         </p:spPr>
       </p:pic>
+      <p:sp>
+        <p:nvSpPr>
+          <p:cNvPr id="4" name="TextBox 3">
+            <a:extLst>
+              <a:ext uri="{FF2B5EF4-FFF2-40B4-BE49-F238E27FC236}">
+                <a16:creationId xmlns:a16="http://schemas.microsoft.com/office/drawing/2014/main" id="{D78A9331-C7B3-4B35-8162-BA616E68B8D1}"/>
+              </a:ext>
+            </a:extLst>
+          </p:cNvPr>
+          <p:cNvSpPr txBox="1"/>
+          <p:nvPr/>
+        </p:nvSpPr>
+        <p:spPr>
+          <a:xfrm>
+            <a:off x="4879000" y="3615397"/>
+            <a:ext cx="2508492" cy="369332"/>
+          </a:xfrm>
+          <a:prstGeom prst="rect">
+            <a:avLst/>
+          </a:prstGeom>
+          <a:noFill/>
+        </p:spPr>
+        <p:txBody>
+          <a:bodyPr wrap="square" rtlCol="0">
+            <a:spAutoFit/>
+          </a:bodyPr>
+          <a:lstStyle/>
+          <a:p>
+            <a:r>
+              <a:rPr lang="en-US" dirty="0"/>
+              <a:t>The algorithm learns fast</a:t>
+            </a:r>
+          </a:p>
+        </p:txBody>
+      </p:sp>
     </p:spTree>
     <p:extLst>
       <p:ext uri="{BB962C8B-B14F-4D97-AF65-F5344CB8AC3E}">
@@ -28633,7 +28668,7 @@
                 <a:effectLst/>
                 <a:latin typeface="Helvetica Neue"/>
               </a:rPr>
-              <a:t>Analytes with low correct classification: #55, #27, #</a:t>
+              <a:t>Analytes with low correct classification rate: #55, #27, #</a:t>
             </a:r>
             <a:r>
               <a:rPr lang="en-US" b="1" dirty="0">
